--- a/Käyttöliittymän ja tietokannan suunnitelma.pptx
+++ b/Käyttöliittymän ja tietokannan suunnitelma.pptx
@@ -5,7 +5,7 @@
     <p:sldMasterId id="2147483648" r:id="rId1"/>
   </p:sldMasterIdLst>
   <p:notesMasterIdLst>
-    <p:notesMasterId r:id="rId9"/>
+    <p:notesMasterId r:id="rId10"/>
   </p:notesMasterIdLst>
   <p:sldIdLst>
     <p:sldId id="256" r:id="rId2"/>
@@ -15,6 +15,7 @@
     <p:sldId id="260" r:id="rId6"/>
     <p:sldId id="261" r:id="rId7"/>
     <p:sldId id="262" r:id="rId8"/>
+    <p:sldId id="263" r:id="rId9"/>
   </p:sldIdLst>
   <p:sldSz cx="12192000" cy="6858000"/>
   <p:notesSz cx="6858000" cy="9144000"/>
@@ -229,7 +230,7 @@
           <a:p>
             <a:fld id="{3C348A4D-4545-4026-A275-4E45F7C1BEE9}" type="datetimeFigureOut">
               <a:rPr lang="fi-FI" smtClean="0"/>
-              <a:t>15.3.2016</a:t>
+              <a:t>16.3.2016</a:t>
             </a:fld>
             <a:endParaRPr lang="fi-FI"/>
           </a:p>
@@ -625,7 +626,7 @@
           <a:p>
             <a:fld id="{C5FE49D9-89AF-4B4D-AA28-EC015DE02994}" type="datetimeFigureOut">
               <a:rPr lang="fi-FI" smtClean="0"/>
-              <a:t>15.3.2016</a:t>
+              <a:t>16.3.2016</a:t>
             </a:fld>
             <a:endParaRPr lang="fi-FI"/>
           </a:p>
@@ -793,7 +794,7 @@
           <a:p>
             <a:fld id="{C5FE49D9-89AF-4B4D-AA28-EC015DE02994}" type="datetimeFigureOut">
               <a:rPr lang="fi-FI" smtClean="0"/>
-              <a:t>15.3.2016</a:t>
+              <a:t>16.3.2016</a:t>
             </a:fld>
             <a:endParaRPr lang="fi-FI"/>
           </a:p>
@@ -971,7 +972,7 @@
           <a:p>
             <a:fld id="{C5FE49D9-89AF-4B4D-AA28-EC015DE02994}" type="datetimeFigureOut">
               <a:rPr lang="fi-FI" smtClean="0"/>
-              <a:t>15.3.2016</a:t>
+              <a:t>16.3.2016</a:t>
             </a:fld>
             <a:endParaRPr lang="fi-FI"/>
           </a:p>
@@ -1139,7 +1140,7 @@
           <a:p>
             <a:fld id="{C5FE49D9-89AF-4B4D-AA28-EC015DE02994}" type="datetimeFigureOut">
               <a:rPr lang="fi-FI" smtClean="0"/>
-              <a:t>15.3.2016</a:t>
+              <a:t>16.3.2016</a:t>
             </a:fld>
             <a:endParaRPr lang="fi-FI"/>
           </a:p>
@@ -1384,7 +1385,7 @@
           <a:p>
             <a:fld id="{C5FE49D9-89AF-4B4D-AA28-EC015DE02994}" type="datetimeFigureOut">
               <a:rPr lang="fi-FI" smtClean="0"/>
-              <a:t>15.3.2016</a:t>
+              <a:t>16.3.2016</a:t>
             </a:fld>
             <a:endParaRPr lang="fi-FI"/>
           </a:p>
@@ -1613,7 +1614,7 @@
           <a:p>
             <a:fld id="{C5FE49D9-89AF-4B4D-AA28-EC015DE02994}" type="datetimeFigureOut">
               <a:rPr lang="fi-FI" smtClean="0"/>
-              <a:t>15.3.2016</a:t>
+              <a:t>16.3.2016</a:t>
             </a:fld>
             <a:endParaRPr lang="fi-FI"/>
           </a:p>
@@ -1977,7 +1978,7 @@
           <a:p>
             <a:fld id="{C5FE49D9-89AF-4B4D-AA28-EC015DE02994}" type="datetimeFigureOut">
               <a:rPr lang="fi-FI" smtClean="0"/>
-              <a:t>15.3.2016</a:t>
+              <a:t>16.3.2016</a:t>
             </a:fld>
             <a:endParaRPr lang="fi-FI"/>
           </a:p>
@@ -2094,7 +2095,7 @@
           <a:p>
             <a:fld id="{C5FE49D9-89AF-4B4D-AA28-EC015DE02994}" type="datetimeFigureOut">
               <a:rPr lang="fi-FI" smtClean="0"/>
-              <a:t>15.3.2016</a:t>
+              <a:t>16.3.2016</a:t>
             </a:fld>
             <a:endParaRPr lang="fi-FI"/>
           </a:p>
@@ -2189,7 +2190,7 @@
           <a:p>
             <a:fld id="{C5FE49D9-89AF-4B4D-AA28-EC015DE02994}" type="datetimeFigureOut">
               <a:rPr lang="fi-FI" smtClean="0"/>
-              <a:t>15.3.2016</a:t>
+              <a:t>16.3.2016</a:t>
             </a:fld>
             <a:endParaRPr lang="fi-FI"/>
           </a:p>
@@ -2464,7 +2465,7 @@
           <a:p>
             <a:fld id="{C5FE49D9-89AF-4B4D-AA28-EC015DE02994}" type="datetimeFigureOut">
               <a:rPr lang="fi-FI" smtClean="0"/>
-              <a:t>15.3.2016</a:t>
+              <a:t>16.3.2016</a:t>
             </a:fld>
             <a:endParaRPr lang="fi-FI"/>
           </a:p>
@@ -2716,7 +2717,7 @@
           <a:p>
             <a:fld id="{C5FE49D9-89AF-4B4D-AA28-EC015DE02994}" type="datetimeFigureOut">
               <a:rPr lang="fi-FI" smtClean="0"/>
-              <a:t>15.3.2016</a:t>
+              <a:t>16.3.2016</a:t>
             </a:fld>
             <a:endParaRPr lang="fi-FI"/>
           </a:p>
@@ -2927,7 +2928,7 @@
           <a:p>
             <a:fld id="{C5FE49D9-89AF-4B4D-AA28-EC015DE02994}" type="datetimeFigureOut">
               <a:rPr lang="fi-FI" smtClean="0"/>
-              <a:t>15.3.2016</a:t>
+              <a:t>16.3.2016</a:t>
             </a:fld>
             <a:endParaRPr lang="fi-FI"/>
           </a:p>
@@ -9532,7 +9533,7 @@
         <p:spPr>
           <a:xfrm>
             <a:off x="350875" y="160493"/>
-            <a:ext cx="5798254" cy="584775"/>
+            <a:ext cx="2696829" cy="584775"/>
           </a:xfrm>
           <a:prstGeom prst="rect">
             <a:avLst/>
@@ -9547,14 +9548,14 @@
           <a:p>
             <a:r>
               <a:rPr lang="fi-FI" sz="3200" dirty="0"/>
-              <a:t>Tietokantarakenteen suunnitelma</a:t>
+              <a:t>Luokkarakenne</a:t>
             </a:r>
           </a:p>
         </p:txBody>
       </p:sp>
       <p:pic>
         <p:nvPicPr>
-          <p:cNvPr id="7" name="Kuva 6"/>
+          <p:cNvPr id="3" name="Kuva 2"/>
           <p:cNvPicPr>
             <a:picLocks noChangeAspect="1"/>
           </p:cNvPicPr>
@@ -9568,8 +9569,8 @@
         </p:blipFill>
         <p:spPr>
           <a:xfrm>
-            <a:off x="106326" y="1886120"/>
-            <a:ext cx="11979348" cy="3085760"/>
+            <a:off x="3214285" y="933101"/>
+            <a:ext cx="5763429" cy="4991797"/>
           </a:xfrm>
           <a:prstGeom prst="rect">
             <a:avLst/>
@@ -9580,6 +9581,118 @@
     <p:extLst>
       <p:ext uri="{BB962C8B-B14F-4D97-AF65-F5344CB8AC3E}">
         <p14:creationId xmlns:p14="http://schemas.microsoft.com/office/powerpoint/2010/main" val="1866602380"/>
+      </p:ext>
+    </p:extLst>
+  </p:cSld>
+  <p:clrMapOvr>
+    <a:masterClrMapping/>
+  </p:clrMapOvr>
+</p:sld>
+</file>
+
+<file path=ppt/slides/slide8.xml><?xml version="1.0" encoding="utf-8"?>
+<p:sld xmlns:a="http://schemas.openxmlformats.org/drawingml/2006/main" xmlns:r="http://schemas.openxmlformats.org/officeDocument/2006/relationships" xmlns:p="http://schemas.openxmlformats.org/presentationml/2006/main">
+  <p:cSld>
+    <p:spTree>
+      <p:nvGrpSpPr>
+        <p:cNvPr id="1" name=""/>
+        <p:cNvGrpSpPr/>
+        <p:nvPr/>
+      </p:nvGrpSpPr>
+      <p:grpSpPr>
+        <a:xfrm>
+          <a:off x="0" y="0"/>
+          <a:ext cx="0" cy="0"/>
+          <a:chOff x="0" y="0"/>
+          <a:chExt cx="0" cy="0"/>
+        </a:xfrm>
+      </p:grpSpPr>
+      <p:sp>
+        <p:nvSpPr>
+          <p:cNvPr id="4" name="Tekstiruutu 3"/>
+          <p:cNvSpPr txBox="1"/>
+          <p:nvPr/>
+        </p:nvSpPr>
+        <p:spPr>
+          <a:xfrm>
+            <a:off x="10008389" y="14809"/>
+            <a:ext cx="2183611" cy="261610"/>
+          </a:xfrm>
+          <a:prstGeom prst="rect">
+            <a:avLst/>
+          </a:prstGeom>
+          <a:noFill/>
+        </p:spPr>
+        <p:txBody>
+          <a:bodyPr wrap="none" rtlCol="0">
+            <a:spAutoFit/>
+          </a:bodyPr>
+          <a:lstStyle/>
+          <a:p>
+            <a:r>
+              <a:rPr lang="fi-FI" sz="1100" dirty="0"/>
+              <a:t>Copyright © Mika Mähönen K6058</a:t>
+            </a:r>
+          </a:p>
+        </p:txBody>
+      </p:sp>
+      <p:sp>
+        <p:nvSpPr>
+          <p:cNvPr id="5" name="Tekstiruutu 4"/>
+          <p:cNvSpPr txBox="1"/>
+          <p:nvPr/>
+        </p:nvSpPr>
+        <p:spPr>
+          <a:xfrm>
+            <a:off x="350875" y="160493"/>
+            <a:ext cx="5798254" cy="584775"/>
+          </a:xfrm>
+          <a:prstGeom prst="rect">
+            <a:avLst/>
+          </a:prstGeom>
+          <a:noFill/>
+        </p:spPr>
+        <p:txBody>
+          <a:bodyPr wrap="none" rtlCol="0">
+            <a:spAutoFit/>
+          </a:bodyPr>
+          <a:lstStyle/>
+          <a:p>
+            <a:r>
+              <a:rPr lang="fi-FI" sz="3200" dirty="0"/>
+              <a:t>Tietokantarakenteen suunnitelma</a:t>
+            </a:r>
+          </a:p>
+        </p:txBody>
+      </p:sp>
+      <p:pic>
+        <p:nvPicPr>
+          <p:cNvPr id="7" name="Kuva 6"/>
+          <p:cNvPicPr>
+            <a:picLocks noChangeAspect="1"/>
+          </p:cNvPicPr>
+          <p:nvPr/>
+        </p:nvPicPr>
+        <p:blipFill>
+          <a:blip r:embed="rId2"/>
+          <a:stretch>
+            <a:fillRect/>
+          </a:stretch>
+        </p:blipFill>
+        <p:spPr>
+          <a:xfrm>
+            <a:off x="106326" y="1886120"/>
+            <a:ext cx="11979348" cy="3085760"/>
+          </a:xfrm>
+          <a:prstGeom prst="rect">
+            <a:avLst/>
+          </a:prstGeom>
+        </p:spPr>
+      </p:pic>
+    </p:spTree>
+    <p:extLst>
+      <p:ext uri="{BB962C8B-B14F-4D97-AF65-F5344CB8AC3E}">
+        <p14:creationId xmlns:p14="http://schemas.microsoft.com/office/powerpoint/2010/main" val="2469148069"/>
       </p:ext>
     </p:extLst>
   </p:cSld>

--- a/Käyttöliittymän ja tietokannan suunnitelma.pptx
+++ b/Käyttöliittymän ja tietokannan suunnitelma.pptx
@@ -230,7 +230,7 @@
           <a:p>
             <a:fld id="{3C348A4D-4545-4026-A275-4E45F7C1BEE9}" type="datetimeFigureOut">
               <a:rPr lang="fi-FI" smtClean="0"/>
-              <a:t>16.3.2016</a:t>
+              <a:t>17.3.2016</a:t>
             </a:fld>
             <a:endParaRPr lang="fi-FI"/>
           </a:p>
@@ -626,7 +626,7 @@
           <a:p>
             <a:fld id="{C5FE49D9-89AF-4B4D-AA28-EC015DE02994}" type="datetimeFigureOut">
               <a:rPr lang="fi-FI" smtClean="0"/>
-              <a:t>16.3.2016</a:t>
+              <a:t>17.3.2016</a:t>
             </a:fld>
             <a:endParaRPr lang="fi-FI"/>
           </a:p>
@@ -794,7 +794,7 @@
           <a:p>
             <a:fld id="{C5FE49D9-89AF-4B4D-AA28-EC015DE02994}" type="datetimeFigureOut">
               <a:rPr lang="fi-FI" smtClean="0"/>
-              <a:t>16.3.2016</a:t>
+              <a:t>17.3.2016</a:t>
             </a:fld>
             <a:endParaRPr lang="fi-FI"/>
           </a:p>
@@ -972,7 +972,7 @@
           <a:p>
             <a:fld id="{C5FE49D9-89AF-4B4D-AA28-EC015DE02994}" type="datetimeFigureOut">
               <a:rPr lang="fi-FI" smtClean="0"/>
-              <a:t>16.3.2016</a:t>
+              <a:t>17.3.2016</a:t>
             </a:fld>
             <a:endParaRPr lang="fi-FI"/>
           </a:p>
@@ -1140,7 +1140,7 @@
           <a:p>
             <a:fld id="{C5FE49D9-89AF-4B4D-AA28-EC015DE02994}" type="datetimeFigureOut">
               <a:rPr lang="fi-FI" smtClean="0"/>
-              <a:t>16.3.2016</a:t>
+              <a:t>17.3.2016</a:t>
             </a:fld>
             <a:endParaRPr lang="fi-FI"/>
           </a:p>
@@ -1385,7 +1385,7 @@
           <a:p>
             <a:fld id="{C5FE49D9-89AF-4B4D-AA28-EC015DE02994}" type="datetimeFigureOut">
               <a:rPr lang="fi-FI" smtClean="0"/>
-              <a:t>16.3.2016</a:t>
+              <a:t>17.3.2016</a:t>
             </a:fld>
             <a:endParaRPr lang="fi-FI"/>
           </a:p>
@@ -1614,7 +1614,7 @@
           <a:p>
             <a:fld id="{C5FE49D9-89AF-4B4D-AA28-EC015DE02994}" type="datetimeFigureOut">
               <a:rPr lang="fi-FI" smtClean="0"/>
-              <a:t>16.3.2016</a:t>
+              <a:t>17.3.2016</a:t>
             </a:fld>
             <a:endParaRPr lang="fi-FI"/>
           </a:p>
@@ -1978,7 +1978,7 @@
           <a:p>
             <a:fld id="{C5FE49D9-89AF-4B4D-AA28-EC015DE02994}" type="datetimeFigureOut">
               <a:rPr lang="fi-FI" smtClean="0"/>
-              <a:t>16.3.2016</a:t>
+              <a:t>17.3.2016</a:t>
             </a:fld>
             <a:endParaRPr lang="fi-FI"/>
           </a:p>
@@ -2095,7 +2095,7 @@
           <a:p>
             <a:fld id="{C5FE49D9-89AF-4B4D-AA28-EC015DE02994}" type="datetimeFigureOut">
               <a:rPr lang="fi-FI" smtClean="0"/>
-              <a:t>16.3.2016</a:t>
+              <a:t>17.3.2016</a:t>
             </a:fld>
             <a:endParaRPr lang="fi-FI"/>
           </a:p>
@@ -2190,7 +2190,7 @@
           <a:p>
             <a:fld id="{C5FE49D9-89AF-4B4D-AA28-EC015DE02994}" type="datetimeFigureOut">
               <a:rPr lang="fi-FI" smtClean="0"/>
-              <a:t>16.3.2016</a:t>
+              <a:t>17.3.2016</a:t>
             </a:fld>
             <a:endParaRPr lang="fi-FI"/>
           </a:p>
@@ -2465,7 +2465,7 @@
           <a:p>
             <a:fld id="{C5FE49D9-89AF-4B4D-AA28-EC015DE02994}" type="datetimeFigureOut">
               <a:rPr lang="fi-FI" smtClean="0"/>
-              <a:t>16.3.2016</a:t>
+              <a:t>17.3.2016</a:t>
             </a:fld>
             <a:endParaRPr lang="fi-FI"/>
           </a:p>
@@ -2717,7 +2717,7 @@
           <a:p>
             <a:fld id="{C5FE49D9-89AF-4B4D-AA28-EC015DE02994}" type="datetimeFigureOut">
               <a:rPr lang="fi-FI" smtClean="0"/>
-              <a:t>16.3.2016</a:t>
+              <a:t>17.3.2016</a:t>
             </a:fld>
             <a:endParaRPr lang="fi-FI"/>
           </a:p>
@@ -2928,7 +2928,7 @@
           <a:p>
             <a:fld id="{C5FE49D9-89AF-4B4D-AA28-EC015DE02994}" type="datetimeFigureOut">
               <a:rPr lang="fi-FI" smtClean="0"/>
-              <a:t>16.3.2016</a:t>
+              <a:t>17.3.2016</a:t>
             </a:fld>
             <a:endParaRPr lang="fi-FI"/>
           </a:p>
@@ -5840,6 +5840,57 @@
       </p:grpSpPr>
       <p:sp>
         <p:nvSpPr>
+          <p:cNvPr id="21" name="Suorakulmio 20"/>
+          <p:cNvSpPr/>
+          <p:nvPr/>
+        </p:nvSpPr>
+        <p:spPr>
+          <a:xfrm>
+            <a:off x="5934102" y="2314138"/>
+            <a:ext cx="2576107" cy="366172"/>
+          </a:xfrm>
+          <a:prstGeom prst="rect">
+            <a:avLst/>
+          </a:prstGeom>
+          <a:solidFill>
+            <a:schemeClr val="bg1">
+              <a:lumMod val="95000"/>
+            </a:schemeClr>
+          </a:solidFill>
+        </p:spPr>
+        <p:style>
+          <a:lnRef idx="2">
+            <a:schemeClr val="accent1">
+              <a:shade val="50000"/>
+            </a:schemeClr>
+          </a:lnRef>
+          <a:fillRef idx="1">
+            <a:schemeClr val="accent1"/>
+          </a:fillRef>
+          <a:effectRef idx="0">
+            <a:schemeClr val="accent1"/>
+          </a:effectRef>
+          <a:fontRef idx="minor">
+            <a:schemeClr val="lt1"/>
+          </a:fontRef>
+        </p:style>
+        <p:txBody>
+          <a:bodyPr rtlCol="0" anchor="ctr"/>
+          <a:lstStyle/>
+          <a:p>
+            <a:r>
+              <a:rPr lang="fi-FI" dirty="0">
+                <a:solidFill>
+                  <a:schemeClr val="tx1"/>
+                </a:solidFill>
+              </a:rPr>
+              <a:t>Huollot</a:t>
+            </a:r>
+          </a:p>
+        </p:txBody>
+      </p:sp>
+      <p:sp>
+        <p:nvSpPr>
           <p:cNvPr id="5" name="Saman puolen kulmista pyöristetty suorakulmio 4"/>
           <p:cNvSpPr/>
           <p:nvPr/>
@@ -6247,57 +6298,6 @@
       </p:sp>
       <p:sp>
         <p:nvSpPr>
-          <p:cNvPr id="21" name="Suorakulmio 20"/>
-          <p:cNvSpPr/>
-          <p:nvPr/>
-        </p:nvSpPr>
-        <p:spPr>
-          <a:xfrm>
-            <a:off x="5934102" y="2314138"/>
-            <a:ext cx="2576107" cy="366172"/>
-          </a:xfrm>
-          <a:prstGeom prst="rect">
-            <a:avLst/>
-          </a:prstGeom>
-          <a:solidFill>
-            <a:schemeClr val="bg1">
-              <a:lumMod val="95000"/>
-            </a:schemeClr>
-          </a:solidFill>
-        </p:spPr>
-        <p:style>
-          <a:lnRef idx="2">
-            <a:schemeClr val="accent1">
-              <a:shade val="50000"/>
-            </a:schemeClr>
-          </a:lnRef>
-          <a:fillRef idx="1">
-            <a:schemeClr val="accent1"/>
-          </a:fillRef>
-          <a:effectRef idx="0">
-            <a:schemeClr val="accent1"/>
-          </a:effectRef>
-          <a:fontRef idx="minor">
-            <a:schemeClr val="lt1"/>
-          </a:fontRef>
-        </p:style>
-        <p:txBody>
-          <a:bodyPr rtlCol="0" anchor="ctr"/>
-          <a:lstStyle/>
-          <a:p>
-            <a:r>
-              <a:rPr lang="fi-FI" dirty="0">
-                <a:solidFill>
-                  <a:schemeClr val="tx1"/>
-                </a:solidFill>
-              </a:rPr>
-              <a:t>Huollot</a:t>
-            </a:r>
-          </a:p>
-        </p:txBody>
-      </p:sp>
-      <p:sp>
-        <p:nvSpPr>
           <p:cNvPr id="22" name="Suorakulmio 21"/>
           <p:cNvSpPr/>
           <p:nvPr/>
@@ -6866,6 +6866,30 @@
           </a:p>
         </p:txBody>
       </p:sp>
+      <p:pic>
+        <p:nvPicPr>
+          <p:cNvPr id="2" name="Kuva 1"/>
+          <p:cNvPicPr>
+            <a:picLocks noChangeAspect="1"/>
+          </p:cNvPicPr>
+          <p:nvPr/>
+        </p:nvPicPr>
+        <p:blipFill>
+          <a:blip r:embed="rId2"/>
+          <a:stretch>
+            <a:fillRect/>
+          </a:stretch>
+        </p:blipFill>
+        <p:spPr>
+          <a:xfrm>
+            <a:off x="8124684" y="2384266"/>
+            <a:ext cx="329213" cy="237765"/>
+          </a:xfrm>
+          <a:prstGeom prst="rect">
+            <a:avLst/>
+          </a:prstGeom>
+        </p:spPr>
+      </p:pic>
     </p:spTree>
     <p:extLst>
       <p:ext uri="{BB962C8B-B14F-4D97-AF65-F5344CB8AC3E}">
